--- a/Clase 1.pptx
+++ b/Clase 1.pptx
@@ -4258,7 +4258,7 @@
         </p:blipFill>
         <p:spPr>
           <a:xfrm>
-            <a:off x="0" y="-16418"/>
+            <a:off x="-1" y="-16418"/>
             <a:ext cx="12192000" cy="6874418"/>
           </a:xfrm>
           <a:prstGeom prst="rect">
@@ -4325,7 +4325,9 @@
         </p:nvSpPr>
         <p:spPr/>
         <p:txBody>
-          <a:bodyPr/>
+          <a:bodyPr>
+            <a:normAutofit/>
+          </a:bodyPr>
           <a:lstStyle/>
           <a:p>
             <a:r>
@@ -4334,7 +4336,10 @@
             </a:r>
           </a:p>
           <a:p>
-            <a:endParaRPr lang="en-US" dirty="0"/>
+            <a:pPr marL="0" indent="0">
+              <a:buNone/>
+            </a:pPr>
+            <a:endParaRPr lang="es-ES" dirty="0"/>
           </a:p>
           <a:p>
             <a:r>
@@ -4381,6 +4386,70 @@
             <a:r>
               <a:rPr lang="es-ES" dirty="0"/>
               <a:t> JS?</a:t>
+            </a:r>
+          </a:p>
+          <a:p>
+            <a:pPr marL="914400" lvl="2" indent="0">
+              <a:buNone/>
+            </a:pPr>
+            <a:r>
+              <a:rPr lang="es-ES" dirty="0"/>
+              <a:t>Vainilla JS: </a:t>
+            </a:r>
+          </a:p>
+          <a:p>
+            <a:pPr marL="914400" lvl="2" indent="0">
+              <a:buNone/>
+            </a:pPr>
+            <a:r>
+              <a:rPr lang="es-ES" dirty="0" err="1"/>
+              <a:t>document.getElementById</a:t>
+            </a:r>
+            <a:r>
+              <a:rPr lang="es-ES" dirty="0"/>
+              <a:t>(“titulo”).</a:t>
+            </a:r>
+            <a:r>
+              <a:rPr lang="es-ES" dirty="0" err="1"/>
+              <a:t>innerText</a:t>
+            </a:r>
+            <a:r>
+              <a:rPr lang="es-ES" dirty="0"/>
+              <a:t>= “Hola Mundo”;</a:t>
+            </a:r>
+          </a:p>
+          <a:p>
+            <a:pPr marL="914400" lvl="2" indent="0">
+              <a:buNone/>
+            </a:pPr>
+            <a:r>
+              <a:rPr lang="es-ES" dirty="0" err="1"/>
+              <a:t>React</a:t>
+            </a:r>
+            <a:r>
+              <a:rPr lang="es-ES" dirty="0"/>
+              <a:t>: </a:t>
+            </a:r>
+          </a:p>
+          <a:p>
+            <a:pPr marL="914400" lvl="2" indent="0">
+              <a:buNone/>
+            </a:pPr>
+            <a:r>
+              <a:rPr lang="es-ES" dirty="0" err="1"/>
+              <a:t>function</a:t>
+            </a:r>
+            <a:r>
+              <a:rPr lang="es-ES" dirty="0"/>
+              <a:t> App() { </a:t>
+            </a:r>
+            <a:r>
+              <a:rPr lang="es-ES" dirty="0" err="1"/>
+              <a:t>return</a:t>
+            </a:r>
+            <a:r>
+              <a:rPr lang="es-ES" dirty="0"/>
+              <a:t> &lt;h1&gt;Hola Mundo &lt;/h1&gt;; }</a:t>
             </a:r>
             <a:endParaRPr lang="en-US" dirty="0"/>
           </a:p>
@@ -5469,8 +5538,8 @@
         </p:blipFill>
         <p:spPr>
           <a:xfrm>
-            <a:off x="0" y="5764617"/>
-            <a:ext cx="1735528" cy="1093383"/>
+            <a:off x="0" y="5998464"/>
+            <a:ext cx="1364342" cy="859536"/>
           </a:xfrm>
           <a:prstGeom prst="rect">
             <a:avLst/>
